--- a/seL4/seL4 Overview.pptx
+++ b/seL4/seL4 Overview.pptx
@@ -216,7 +216,7 @@
           <a:p>
             <a:fld id="{FD31A014-D3FA-423B-9B83-C3D21FABC180}" type="datetimeFigureOut">
               <a:rPr lang="zh-CN" altLang="en-US" smtClean="0"/>
-              <a:t>2023/4/22</a:t>
+              <a:t>2023/4/23</a:t>
             </a:fld>
             <a:endParaRPr lang="zh-CN" altLang="en-US"/>
           </a:p>
@@ -4100,7 +4100,7 @@
           <a:lstStyle/>
           <a:p>
             <a:fld id="{FF11F0EC-4F60-4544-9956-271209A740FE}" type="datetimeFigureOut">
-              <a:t>2023/4/22</a:t>
+              <a:t>2023/4/23</a:t>
             </a:fld>
             <a:endParaRPr lang="zh-CN"/>
           </a:p>
@@ -4349,7 +4349,7 @@
           <a:lstStyle/>
           <a:p>
             <a:fld id="{FF11F0EC-4F60-4544-9956-271209A740FE}" type="datetimeFigureOut">
-              <a:t>2023/4/22</a:t>
+              <a:t>2023/4/23</a:t>
             </a:fld>
             <a:endParaRPr lang="zh-CN"/>
           </a:p>
@@ -4612,7 +4612,7 @@
             <a:fld id="{FF11F0EC-4F60-4544-9956-271209A740FE}" type="datetimeFigureOut">
               <a:rPr lang="en-US" altLang="zh-CN" smtClean="0"/>
               <a:pPr/>
-              <a:t>4/22/2023</a:t>
+              <a:t>4/23/2023</a:t>
             </a:fld>
             <a:endParaRPr lang="zh-CN" altLang="en-US"/>
           </a:p>
@@ -5182,7 +5182,7 @@
           <a:lstStyle/>
           <a:p>
             <a:fld id="{FF11F0EC-4F60-4544-9956-271209A740FE}" type="datetimeFigureOut">
-              <a:t>2023/4/22</a:t>
+              <a:t>2023/4/23</a:t>
             </a:fld>
             <a:endParaRPr lang="zh-CN"/>
           </a:p>
@@ -5445,7 +5445,7 @@
             <a:fld id="{FF11F0EC-4F60-4544-9956-271209A740FE}" type="datetimeFigureOut">
               <a:rPr lang="en-US" altLang="zh-CN" smtClean="0"/>
               <a:pPr/>
-              <a:t>4/22/2023</a:t>
+              <a:t>4/23/2023</a:t>
             </a:fld>
             <a:endParaRPr lang="zh-CN" altLang="en-US"/>
           </a:p>
@@ -6015,7 +6015,7 @@
           <a:lstStyle/>
           <a:p>
             <a:fld id="{FF11F0EC-4F60-4544-9956-271209A740FE}" type="datetimeFigureOut">
-              <a:t>2023/4/22</a:t>
+              <a:t>2023/4/23</a:t>
             </a:fld>
             <a:endParaRPr lang="zh-CN"/>
           </a:p>
@@ -6243,7 +6243,7 @@
           <a:lstStyle/>
           <a:p>
             <a:fld id="{FF11F0EC-4F60-4544-9956-271209A740FE}" type="datetimeFigureOut">
-              <a:t>2023/4/22</a:t>
+              <a:t>2023/4/23</a:t>
             </a:fld>
             <a:endParaRPr lang="zh-CN"/>
           </a:p>
@@ -6421,7 +6421,7 @@
           <a:lstStyle/>
           <a:p>
             <a:fld id="{FF11F0EC-4F60-4544-9956-271209A740FE}" type="datetimeFigureOut">
-              <a:t>2023/4/22</a:t>
+              <a:t>2023/4/23</a:t>
             </a:fld>
             <a:endParaRPr lang="zh-CN"/>
           </a:p>
@@ -6595,7 +6595,7 @@
           <a:lstStyle/>
           <a:p>
             <a:fld id="{FF11F0EC-4F60-4544-9956-271209A740FE}" type="datetimeFigureOut">
-              <a:t>2023/4/22</a:t>
+              <a:t>2023/4/23</a:t>
             </a:fld>
             <a:endParaRPr lang="zh-CN"/>
           </a:p>
@@ -6840,7 +6840,7 @@
           <a:lstStyle/>
           <a:p>
             <a:fld id="{FF11F0EC-4F60-4544-9956-271209A740FE}" type="datetimeFigureOut">
-              <a:t>2023/4/22</a:t>
+              <a:t>2023/4/23</a:t>
             </a:fld>
             <a:endParaRPr lang="zh-CN"/>
           </a:p>
@@ -7070,7 +7070,7 @@
           <a:lstStyle/>
           <a:p>
             <a:fld id="{FF11F0EC-4F60-4544-9956-271209A740FE}" type="datetimeFigureOut">
-              <a:t>2023/4/22</a:t>
+              <a:t>2023/4/23</a:t>
             </a:fld>
             <a:endParaRPr lang="zh-CN"/>
           </a:p>
@@ -7442,7 +7442,7 @@
           <a:lstStyle/>
           <a:p>
             <a:fld id="{FF11F0EC-4F60-4544-9956-271209A740FE}" type="datetimeFigureOut">
-              <a:t>2023/4/22</a:t>
+              <a:t>2023/4/23</a:t>
             </a:fld>
             <a:endParaRPr lang="zh-CN"/>
           </a:p>
@@ -7563,7 +7563,7 @@
           <a:lstStyle/>
           <a:p>
             <a:fld id="{FF11F0EC-4F60-4544-9956-271209A740FE}" type="datetimeFigureOut">
-              <a:t>2023/4/22</a:t>
+              <a:t>2023/4/23</a:t>
             </a:fld>
             <a:endParaRPr lang="zh-CN"/>
           </a:p>
@@ -7656,7 +7656,7 @@
           <a:lstStyle/>
           <a:p>
             <a:fld id="{FF11F0EC-4F60-4544-9956-271209A740FE}" type="datetimeFigureOut">
-              <a:t>2023/4/22</a:t>
+              <a:t>2023/4/23</a:t>
             </a:fld>
             <a:endParaRPr lang="zh-CN"/>
           </a:p>
@@ -7909,7 +7909,7 @@
           <a:lstStyle/>
           <a:p>
             <a:fld id="{FF11F0EC-4F60-4544-9956-271209A740FE}" type="datetimeFigureOut">
-              <a:t>2023/4/22</a:t>
+              <a:t>2023/4/23</a:t>
             </a:fld>
             <a:endParaRPr lang="zh-CN"/>
           </a:p>
@@ -8170,7 +8170,7 @@
           <a:lstStyle/>
           <a:p>
             <a:fld id="{FF11F0EC-4F60-4544-9956-271209A740FE}" type="datetimeFigureOut">
-              <a:t>2023/4/22</a:t>
+              <a:t>2023/4/23</a:t>
             </a:fld>
             <a:endParaRPr lang="zh-CN"/>
           </a:p>
@@ -9278,7 +9278,7 @@
             <a:fld id="{FF11F0EC-4F60-4544-9956-271209A740FE}" type="datetimeFigureOut">
               <a:rPr lang="en-US" altLang="zh-CN" smtClean="0"/>
               <a:pPr/>
-              <a:t>4/22/2023</a:t>
+              <a:t>4/23/2023</a:t>
             </a:fld>
             <a:endParaRPr lang="zh-CN" altLang="en-US"/>
           </a:p>
@@ -10857,8 +10857,8 @@
         </p:blipFill>
         <p:spPr>
           <a:xfrm>
-            <a:off x="4534252" y="2473214"/>
-            <a:ext cx="5449603" cy="3671398"/>
+            <a:off x="4267852" y="2437214"/>
+            <a:ext cx="6272948" cy="4226086"/>
           </a:xfrm>
         </p:spPr>
       </p:pic>
@@ -12307,7 +12307,12 @@
             <p:ph type="title"/>
           </p:nvPr>
         </p:nvSpPr>
-        <p:spPr/>
+        <p:spPr>
+          <a:xfrm>
+            <a:off x="845302" y="3272157"/>
+            <a:ext cx="8598907" cy="1826581"/>
+          </a:xfrm>
+        </p:spPr>
         <p:txBody>
           <a:bodyPr/>
           <a:lstStyle/>
@@ -12332,23 +12337,306 @@
       </p:sp>
       <p:sp>
         <p:nvSpPr>
-          <p:cNvPr id="10" name="文本占位符 9"/>
-          <p:cNvSpPr>
-            <a:spLocks noGrp="1"/>
+          <p:cNvPr id="4" name="内容占位符 2">
+            <a:extLst>
+              <a:ext uri="{FF2B5EF4-FFF2-40B4-BE49-F238E27FC236}">
+                <a16:creationId xmlns:a16="http://schemas.microsoft.com/office/drawing/2014/main" id="{52B78F21-CC6E-465F-9F38-17F603C84A55}"/>
+              </a:ext>
+            </a:extLst>
+          </p:cNvPr>
+          <p:cNvSpPr txBox="1">
+            <a:spLocks/>
           </p:cNvSpPr>
-          <p:nvPr>
-            <p:ph type="body" idx="1"/>
-          </p:nvPr>
-        </p:nvSpPr>
-        <p:spPr/>
-        <p:txBody>
-          <a:bodyPr/>
-          <a:lstStyle/>
-          <a:p>
-            <a:endParaRPr lang="zh-CN">
-              <a:latin typeface="Microsoft YaHei UI" panose="020B0503020204020204" pitchFamily="34" charset="-122"/>
-              <a:ea typeface="Microsoft YaHei UI" panose="020B0503020204020204" pitchFamily="34" charset="-122"/>
-            </a:endParaRPr>
+          <p:nvPr/>
+        </p:nvSpPr>
+        <p:spPr>
+          <a:xfrm>
+            <a:off x="927503" y="1217965"/>
+            <a:ext cx="8516706" cy="3880773"/>
+          </a:xfrm>
+          <a:prstGeom prst="rect">
+            <a:avLst/>
+          </a:prstGeom>
+        </p:spPr>
+        <p:txBody>
+          <a:bodyPr>
+            <a:normAutofit/>
+          </a:bodyPr>
+          <a:lstStyle>
+            <a:lvl1pPr marL="342900" indent="-342900" algn="l" defTabSz="457200" rtl="0" eaLnBrk="1" latinLnBrk="0" hangingPunct="1">
+              <a:spcBef>
+                <a:spcPts val="1000"/>
+              </a:spcBef>
+              <a:spcAft>
+                <a:spcPts val="0"/>
+              </a:spcAft>
+              <a:buClr>
+                <a:schemeClr val="accent1"/>
+              </a:buClr>
+              <a:buSzPct val="80000"/>
+              <a:buFont typeface="Wingdings 3" charset="2"/>
+              <a:buChar char=""/>
+              <a:defRPr lang="zh-CN" sz="1800" kern="1200">
+                <a:solidFill>
+                  <a:schemeClr val="tx1">
+                    <a:lumMod val="75000"/>
+                    <a:lumOff val="25000"/>
+                  </a:schemeClr>
+                </a:solidFill>
+                <a:latin typeface="Microsoft YaHei UI" panose="020B0503020204020204" pitchFamily="34" charset="-122"/>
+                <a:ea typeface="Microsoft YaHei UI" panose="020B0503020204020204" pitchFamily="34" charset="-122"/>
+                <a:cs typeface="+mn-cs"/>
+              </a:defRPr>
+            </a:lvl1pPr>
+            <a:lvl2pPr marL="742950" indent="-285750" algn="l" defTabSz="457200" rtl="0" eaLnBrk="1" latinLnBrk="0" hangingPunct="1">
+              <a:spcBef>
+                <a:spcPts val="1000"/>
+              </a:spcBef>
+              <a:spcAft>
+                <a:spcPts val="0"/>
+              </a:spcAft>
+              <a:buClr>
+                <a:schemeClr val="accent1"/>
+              </a:buClr>
+              <a:buSzPct val="80000"/>
+              <a:buFont typeface="Wingdings 3" charset="2"/>
+              <a:buChar char=""/>
+              <a:defRPr lang="zh-CN" sz="1600" kern="1200">
+                <a:solidFill>
+                  <a:schemeClr val="tx1">
+                    <a:lumMod val="75000"/>
+                    <a:lumOff val="25000"/>
+                  </a:schemeClr>
+                </a:solidFill>
+                <a:latin typeface="Microsoft YaHei UI" panose="020B0503020204020204" pitchFamily="34" charset="-122"/>
+                <a:ea typeface="Microsoft YaHei UI" panose="020B0503020204020204" pitchFamily="34" charset="-122"/>
+                <a:cs typeface="+mn-cs"/>
+              </a:defRPr>
+            </a:lvl2pPr>
+            <a:lvl3pPr marL="1143000" indent="-228600" algn="l" defTabSz="457200" rtl="0" eaLnBrk="1" latinLnBrk="0" hangingPunct="1">
+              <a:spcBef>
+                <a:spcPts val="1000"/>
+              </a:spcBef>
+              <a:spcAft>
+                <a:spcPts val="0"/>
+              </a:spcAft>
+              <a:buClr>
+                <a:schemeClr val="accent1"/>
+              </a:buClr>
+              <a:buSzPct val="80000"/>
+              <a:buFont typeface="Wingdings 3" charset="2"/>
+              <a:buChar char=""/>
+              <a:defRPr lang="zh-CN" sz="1400" kern="1200">
+                <a:solidFill>
+                  <a:schemeClr val="tx1">
+                    <a:lumMod val="75000"/>
+                    <a:lumOff val="25000"/>
+                  </a:schemeClr>
+                </a:solidFill>
+                <a:latin typeface="Microsoft YaHei UI" panose="020B0503020204020204" pitchFamily="34" charset="-122"/>
+                <a:ea typeface="Microsoft YaHei UI" panose="020B0503020204020204" pitchFamily="34" charset="-122"/>
+                <a:cs typeface="+mn-cs"/>
+              </a:defRPr>
+            </a:lvl3pPr>
+            <a:lvl4pPr marL="1600200" indent="-228600" algn="l" defTabSz="457200" rtl="0" eaLnBrk="1" latinLnBrk="0" hangingPunct="1">
+              <a:spcBef>
+                <a:spcPts val="1000"/>
+              </a:spcBef>
+              <a:spcAft>
+                <a:spcPts val="0"/>
+              </a:spcAft>
+              <a:buClr>
+                <a:schemeClr val="accent1"/>
+              </a:buClr>
+              <a:buSzPct val="80000"/>
+              <a:buFont typeface="Wingdings 3" charset="2"/>
+              <a:buChar char=""/>
+              <a:defRPr lang="zh-CN" sz="1200" kern="1200">
+                <a:solidFill>
+                  <a:schemeClr val="tx1">
+                    <a:lumMod val="75000"/>
+                    <a:lumOff val="25000"/>
+                  </a:schemeClr>
+                </a:solidFill>
+                <a:latin typeface="Microsoft YaHei UI" panose="020B0503020204020204" pitchFamily="34" charset="-122"/>
+                <a:ea typeface="Microsoft YaHei UI" panose="020B0503020204020204" pitchFamily="34" charset="-122"/>
+                <a:cs typeface="+mn-cs"/>
+              </a:defRPr>
+            </a:lvl4pPr>
+            <a:lvl5pPr marL="2057400" indent="-228600" algn="l" defTabSz="457200" rtl="0" eaLnBrk="1" latinLnBrk="0" hangingPunct="1">
+              <a:spcBef>
+                <a:spcPts val="1000"/>
+              </a:spcBef>
+              <a:spcAft>
+                <a:spcPts val="0"/>
+              </a:spcAft>
+              <a:buClr>
+                <a:schemeClr val="accent1"/>
+              </a:buClr>
+              <a:buSzPct val="80000"/>
+              <a:buFont typeface="Wingdings 3" charset="2"/>
+              <a:buChar char=""/>
+              <a:defRPr lang="zh-CN" sz="1200" kern="1200">
+                <a:solidFill>
+                  <a:schemeClr val="tx1">
+                    <a:lumMod val="75000"/>
+                    <a:lumOff val="25000"/>
+                  </a:schemeClr>
+                </a:solidFill>
+                <a:latin typeface="Microsoft YaHei UI" panose="020B0503020204020204" pitchFamily="34" charset="-122"/>
+                <a:ea typeface="Microsoft YaHei UI" panose="020B0503020204020204" pitchFamily="34" charset="-122"/>
+                <a:cs typeface="+mn-cs"/>
+              </a:defRPr>
+            </a:lvl5pPr>
+            <a:lvl6pPr marL="2514600" indent="-228600" algn="l" defTabSz="457200" rtl="0" eaLnBrk="1" latinLnBrk="0" hangingPunct="1">
+              <a:spcBef>
+                <a:spcPts val="1000"/>
+              </a:spcBef>
+              <a:spcAft>
+                <a:spcPts val="0"/>
+              </a:spcAft>
+              <a:buClr>
+                <a:schemeClr val="accent1"/>
+              </a:buClr>
+              <a:buSzPct val="80000"/>
+              <a:buFont typeface="Wingdings 3" charset="2"/>
+              <a:buChar char=""/>
+              <a:defRPr lang="zh-CN" sz="1200" kern="1200">
+                <a:solidFill>
+                  <a:schemeClr val="tx1">
+                    <a:lumMod val="75000"/>
+                    <a:lumOff val="25000"/>
+                  </a:schemeClr>
+                </a:solidFill>
+                <a:latin typeface="+mn-lt"/>
+                <a:ea typeface="+mn-ea"/>
+                <a:cs typeface="+mn-cs"/>
+              </a:defRPr>
+            </a:lvl6pPr>
+            <a:lvl7pPr marL="2971800" indent="-228600" algn="l" defTabSz="457200" rtl="0" eaLnBrk="1" latinLnBrk="0" hangingPunct="1">
+              <a:spcBef>
+                <a:spcPts val="1000"/>
+              </a:spcBef>
+              <a:spcAft>
+                <a:spcPts val="0"/>
+              </a:spcAft>
+              <a:buClr>
+                <a:schemeClr val="accent1"/>
+              </a:buClr>
+              <a:buSzPct val="80000"/>
+              <a:buFont typeface="Wingdings 3" charset="2"/>
+              <a:buChar char=""/>
+              <a:defRPr lang="zh-CN" sz="1200" kern="1200">
+                <a:solidFill>
+                  <a:schemeClr val="tx1">
+                    <a:lumMod val="75000"/>
+                    <a:lumOff val="25000"/>
+                  </a:schemeClr>
+                </a:solidFill>
+                <a:latin typeface="+mn-lt"/>
+                <a:ea typeface="+mn-ea"/>
+                <a:cs typeface="+mn-cs"/>
+              </a:defRPr>
+            </a:lvl7pPr>
+            <a:lvl8pPr marL="3429000" indent="-228600" algn="l" defTabSz="457200" rtl="0" eaLnBrk="1" latinLnBrk="0" hangingPunct="1">
+              <a:spcBef>
+                <a:spcPts val="1000"/>
+              </a:spcBef>
+              <a:spcAft>
+                <a:spcPts val="0"/>
+              </a:spcAft>
+              <a:buClr>
+                <a:schemeClr val="accent1"/>
+              </a:buClr>
+              <a:buSzPct val="80000"/>
+              <a:buFont typeface="Wingdings 3" charset="2"/>
+              <a:buChar char=""/>
+              <a:defRPr lang="zh-CN" sz="1200" kern="1200">
+                <a:solidFill>
+                  <a:schemeClr val="tx1">
+                    <a:lumMod val="75000"/>
+                    <a:lumOff val="25000"/>
+                  </a:schemeClr>
+                </a:solidFill>
+                <a:latin typeface="+mn-lt"/>
+                <a:ea typeface="+mn-ea"/>
+                <a:cs typeface="+mn-cs"/>
+              </a:defRPr>
+            </a:lvl8pPr>
+            <a:lvl9pPr marL="3886200" indent="-228600" algn="l" defTabSz="457200" rtl="0" eaLnBrk="1" latinLnBrk="0" hangingPunct="1">
+              <a:spcBef>
+                <a:spcPts val="1000"/>
+              </a:spcBef>
+              <a:spcAft>
+                <a:spcPts val="0"/>
+              </a:spcAft>
+              <a:buClr>
+                <a:schemeClr val="accent1"/>
+              </a:buClr>
+              <a:buSzPct val="80000"/>
+              <a:buFont typeface="Wingdings 3" charset="2"/>
+              <a:buChar char=""/>
+              <a:defRPr lang="zh-CN" sz="1200" kern="1200">
+                <a:solidFill>
+                  <a:schemeClr val="tx1">
+                    <a:lumMod val="75000"/>
+                    <a:lumOff val="25000"/>
+                  </a:schemeClr>
+                </a:solidFill>
+                <a:latin typeface="+mn-lt"/>
+                <a:ea typeface="+mn-ea"/>
+                <a:cs typeface="+mn-cs"/>
+              </a:defRPr>
+            </a:lvl9pPr>
+          </a:lstStyle>
+          <a:p>
+            <a:r>
+              <a:rPr lang="zh-CN" altLang="en-US" dirty="0"/>
+              <a:t>参考资料</a:t>
+            </a:r>
+          </a:p>
+          <a:p>
+            <a:pPr lvl="1"/>
+            <a:r>
+              <a:rPr lang="en-US" altLang="zh-CN" dirty="0">
+                <a:hlinkClick r:id="rId2"/>
+              </a:rPr>
+              <a:t>On micro-kernel construction | Proceedings of the fifteenth ACM symposium on Operating systems principles</a:t>
+            </a:r>
+            <a:endParaRPr lang="zh-CN" altLang="en-US" dirty="0"/>
+          </a:p>
+          <a:p>
+            <a:pPr lvl="1"/>
+            <a:r>
+              <a:rPr lang="en-US" altLang="zh-CN" dirty="0">
+                <a:hlinkClick r:id="rId3"/>
+              </a:rPr>
+              <a:t>Capabilities | seL4 docs</a:t>
+            </a:r>
+            <a:endParaRPr lang="zh-CN" altLang="en-US" dirty="0"/>
+          </a:p>
+          <a:p>
+            <a:pPr lvl="1"/>
+            <a:r>
+              <a:rPr lang="en-US" altLang="zh-CN" dirty="0">
+                <a:hlinkClick r:id="rId4"/>
+              </a:rPr>
+              <a:t>About Root Task in seL4 - seL4</a:t>
+            </a:r>
+            <a:r>
+              <a:rPr lang="zh-CN" altLang="en-US" dirty="0"/>
+              <a:t>。</a:t>
+            </a:r>
+          </a:p>
+          <a:p>
+            <a:pPr lvl="1"/>
+            <a:r>
+              <a:rPr lang="en-US" altLang="zh-CN" dirty="0">
+                <a:hlinkClick r:id="rId5"/>
+              </a:rPr>
+              <a:t>Comprehensive formal verification of an OS microkernel | ACM Transactions on Computer Systems</a:t>
+            </a:r>
+            <a:endParaRPr lang="zh-CN" altLang="en-US" dirty="0"/>
           </a:p>
         </p:txBody>
       </p:sp>
@@ -12918,6 +13206,143 @@
 </file>
 
 <file path=customXml/item1.xml><?xml version="1.0" encoding="utf-8"?>
+<?mso-contentType ?>
+<FormTemplates xmlns="http://schemas.microsoft.com/sharepoint/v3/contenttype/forms">
+  <Display>DocumentLibraryForm</Display>
+  <Edit>AssetEditForm</Edit>
+  <New>DocumentLibraryForm</New>
+</FormTemplates>
+</file>
+
+<file path=customXml/item2.xml><?xml version="1.0" encoding="utf-8"?>
+<p:properties xmlns:p="http://schemas.microsoft.com/office/2006/metadata/properties" xmlns:xsi="http://www.w3.org/2001/XMLSchema-instance" xmlns:pc="http://schemas.microsoft.com/office/infopath/2007/PartnerControls">
+  <documentManagement>
+    <APDescription xmlns="905c3888-6285-45d0-bd76-60a9ac2d738c" xsi:nil="true"/>
+    <AssetExpire xmlns="905c3888-6285-45d0-bd76-60a9ac2d738c">2029-01-01T08:00:00+00:00</AssetExpire>
+    <CampaignTagsTaxHTField0 xmlns="905c3888-6285-45d0-bd76-60a9ac2d738c">
+      <Terms xmlns="http://schemas.microsoft.com/office/infopath/2007/PartnerControls"/>
+    </CampaignTagsTaxHTField0>
+    <IntlLangReviewDate xmlns="905c3888-6285-45d0-bd76-60a9ac2d738c" xsi:nil="true"/>
+    <TPFriendlyName xmlns="905c3888-6285-45d0-bd76-60a9ac2d738c" xsi:nil="true"/>
+    <IntlLangReview xmlns="905c3888-6285-45d0-bd76-60a9ac2d738c">false</IntlLangReview>
+    <LocLastLocAttemptVersionLookup xmlns="905c3888-6285-45d0-bd76-60a9ac2d738c">854457</LocLastLocAttemptVersionLookup>
+    <PolicheckWords xmlns="905c3888-6285-45d0-bd76-60a9ac2d738c" xsi:nil="true"/>
+    <SubmitterId xmlns="905c3888-6285-45d0-bd76-60a9ac2d738c" xsi:nil="true"/>
+    <AcquiredFrom xmlns="905c3888-6285-45d0-bd76-60a9ac2d738c">Internal MS</AcquiredFrom>
+    <EditorialStatus xmlns="905c3888-6285-45d0-bd76-60a9ac2d738c">Complete</EditorialStatus>
+    <Markets xmlns="905c3888-6285-45d0-bd76-60a9ac2d738c"/>
+    <OriginAsset xmlns="905c3888-6285-45d0-bd76-60a9ac2d738c" xsi:nil="true"/>
+    <AssetStart xmlns="905c3888-6285-45d0-bd76-60a9ac2d738c">2012-08-29T22:50:00+00:00</AssetStart>
+    <FriendlyTitle xmlns="905c3888-6285-45d0-bd76-60a9ac2d738c" xsi:nil="true"/>
+    <MarketSpecific xmlns="905c3888-6285-45d0-bd76-60a9ac2d738c">false</MarketSpecific>
+    <TPNamespace xmlns="905c3888-6285-45d0-bd76-60a9ac2d738c" xsi:nil="true"/>
+    <PublishStatusLookup xmlns="905c3888-6285-45d0-bd76-60a9ac2d738c">
+      <Value>492287</Value>
+    </PublishStatusLookup>
+    <APAuthor xmlns="905c3888-6285-45d0-bd76-60a9ac2d738c">
+      <UserInfo>
+        <DisplayName>REDMOND\kristaa</DisplayName>
+        <AccountId>136</AccountId>
+        <AccountType/>
+      </UserInfo>
+    </APAuthor>
+    <TPCommandLine xmlns="905c3888-6285-45d0-bd76-60a9ac2d738c" xsi:nil="true"/>
+    <IntlLangReviewer xmlns="905c3888-6285-45d0-bd76-60a9ac2d738c" xsi:nil="true"/>
+    <OpenTemplate xmlns="905c3888-6285-45d0-bd76-60a9ac2d738c">true</OpenTemplate>
+    <CSXSubmissionDate xmlns="905c3888-6285-45d0-bd76-60a9ac2d738c" xsi:nil="true"/>
+    <TaxCatchAll xmlns="905c3888-6285-45d0-bd76-60a9ac2d738c"/>
+    <Manager xmlns="905c3888-6285-45d0-bd76-60a9ac2d738c" xsi:nil="true"/>
+    <NumericId xmlns="905c3888-6285-45d0-bd76-60a9ac2d738c" xsi:nil="true"/>
+    <ParentAssetId xmlns="905c3888-6285-45d0-bd76-60a9ac2d738c" xsi:nil="true"/>
+    <OriginalSourceMarket xmlns="905c3888-6285-45d0-bd76-60a9ac2d738c">english</OriginalSourceMarket>
+    <ApprovalStatus xmlns="905c3888-6285-45d0-bd76-60a9ac2d738c">InProgress</ApprovalStatus>
+    <TPComponent xmlns="905c3888-6285-45d0-bd76-60a9ac2d738c" xsi:nil="true"/>
+    <EditorialTags xmlns="905c3888-6285-45d0-bd76-60a9ac2d738c" xsi:nil="true"/>
+    <TPExecutable xmlns="905c3888-6285-45d0-bd76-60a9ac2d738c" xsi:nil="true"/>
+    <TPLaunchHelpLink xmlns="905c3888-6285-45d0-bd76-60a9ac2d738c" xsi:nil="true"/>
+    <LocComments xmlns="905c3888-6285-45d0-bd76-60a9ac2d738c" xsi:nil="true"/>
+    <LocRecommendedHandoff xmlns="905c3888-6285-45d0-bd76-60a9ac2d738c" xsi:nil="true"/>
+    <SourceTitle xmlns="905c3888-6285-45d0-bd76-60a9ac2d738c" xsi:nil="true"/>
+    <CSXUpdate xmlns="905c3888-6285-45d0-bd76-60a9ac2d738c">false</CSXUpdate>
+    <IntlLocPriority xmlns="905c3888-6285-45d0-bd76-60a9ac2d738c" xsi:nil="true"/>
+    <UAProjectedTotalWords xmlns="905c3888-6285-45d0-bd76-60a9ac2d738c" xsi:nil="true"/>
+    <AssetType xmlns="905c3888-6285-45d0-bd76-60a9ac2d738c">TP</AssetType>
+    <MachineTranslated xmlns="905c3888-6285-45d0-bd76-60a9ac2d738c">false</MachineTranslated>
+    <OutputCachingOn xmlns="905c3888-6285-45d0-bd76-60a9ac2d738c">false</OutputCachingOn>
+    <TemplateStatus xmlns="905c3888-6285-45d0-bd76-60a9ac2d738c">Complete</TemplateStatus>
+    <IsSearchable xmlns="905c3888-6285-45d0-bd76-60a9ac2d738c">true</IsSearchable>
+    <ContentItem xmlns="905c3888-6285-45d0-bd76-60a9ac2d738c" xsi:nil="true"/>
+    <HandoffToMSDN xmlns="905c3888-6285-45d0-bd76-60a9ac2d738c" xsi:nil="true"/>
+    <ShowIn xmlns="905c3888-6285-45d0-bd76-60a9ac2d738c">Show everywhere</ShowIn>
+    <ThumbnailAssetId xmlns="905c3888-6285-45d0-bd76-60a9ac2d738c" xsi:nil="true"/>
+    <UALocComments xmlns="905c3888-6285-45d0-bd76-60a9ac2d738c" xsi:nil="true"/>
+    <UALocRecommendation xmlns="905c3888-6285-45d0-bd76-60a9ac2d738c">Localize</UALocRecommendation>
+    <LastModifiedDateTime xmlns="905c3888-6285-45d0-bd76-60a9ac2d738c" xsi:nil="true"/>
+    <LegacyData xmlns="905c3888-6285-45d0-bd76-60a9ac2d738c" xsi:nil="true"/>
+    <LocManualTestRequired xmlns="905c3888-6285-45d0-bd76-60a9ac2d738c">false</LocManualTestRequired>
+    <LocMarketGroupTiers2 xmlns="905c3888-6285-45d0-bd76-60a9ac2d738c" xsi:nil="true"/>
+    <ClipArtFilename xmlns="905c3888-6285-45d0-bd76-60a9ac2d738c" xsi:nil="true"/>
+    <TPApplication xmlns="905c3888-6285-45d0-bd76-60a9ac2d738c" xsi:nil="true"/>
+    <CSXHash xmlns="905c3888-6285-45d0-bd76-60a9ac2d738c" xsi:nil="true"/>
+    <DirectSourceMarket xmlns="905c3888-6285-45d0-bd76-60a9ac2d738c">english</DirectSourceMarket>
+    <PrimaryImageGen xmlns="905c3888-6285-45d0-bd76-60a9ac2d738c">true</PrimaryImageGen>
+    <PlannedPubDate xmlns="905c3888-6285-45d0-bd76-60a9ac2d738c" xsi:nil="true"/>
+    <CSXSubmissionMarket xmlns="905c3888-6285-45d0-bd76-60a9ac2d738c" xsi:nil="true"/>
+    <Downloads xmlns="905c3888-6285-45d0-bd76-60a9ac2d738c">0</Downloads>
+    <ArtSampleDocs xmlns="905c3888-6285-45d0-bd76-60a9ac2d738c" xsi:nil="true"/>
+    <TrustLevel xmlns="905c3888-6285-45d0-bd76-60a9ac2d738c">1 Microsoft Managed Content</TrustLevel>
+    <BlockPublish xmlns="905c3888-6285-45d0-bd76-60a9ac2d738c">false</BlockPublish>
+    <TPLaunchHelpLinkType xmlns="905c3888-6285-45d0-bd76-60a9ac2d738c">Template</TPLaunchHelpLinkType>
+    <LocalizationTagsTaxHTField0 xmlns="905c3888-6285-45d0-bd76-60a9ac2d738c">
+      <Terms xmlns="http://schemas.microsoft.com/office/infopath/2007/PartnerControls"/>
+    </LocalizationTagsTaxHTField0>
+    <BusinessGroup xmlns="905c3888-6285-45d0-bd76-60a9ac2d738c" xsi:nil="true"/>
+    <Providers xmlns="905c3888-6285-45d0-bd76-60a9ac2d738c" xsi:nil="true"/>
+    <TemplateTemplateType xmlns="905c3888-6285-45d0-bd76-60a9ac2d738c">PowerPoint Presentation Template</TemplateTemplateType>
+    <TimesCloned xmlns="905c3888-6285-45d0-bd76-60a9ac2d738c" xsi:nil="true"/>
+    <TPAppVersion xmlns="905c3888-6285-45d0-bd76-60a9ac2d738c" xsi:nil="true"/>
+    <VoteCount xmlns="905c3888-6285-45d0-bd76-60a9ac2d738c" xsi:nil="true"/>
+    <AverageRating xmlns="905c3888-6285-45d0-bd76-60a9ac2d738c" xsi:nil="true"/>
+    <FeatureTagsTaxHTField0 xmlns="905c3888-6285-45d0-bd76-60a9ac2d738c">
+      <Terms xmlns="http://schemas.microsoft.com/office/infopath/2007/PartnerControls"/>
+    </FeatureTagsTaxHTField0>
+    <Provider xmlns="905c3888-6285-45d0-bd76-60a9ac2d738c" xsi:nil="true"/>
+    <UACurrentWords xmlns="905c3888-6285-45d0-bd76-60a9ac2d738c" xsi:nil="true"/>
+    <AssetId xmlns="905c3888-6285-45d0-bd76-60a9ac2d738c">TP103418064</AssetId>
+    <TPClientViewer xmlns="905c3888-6285-45d0-bd76-60a9ac2d738c" xsi:nil="true"/>
+    <DSATActionTaken xmlns="905c3888-6285-45d0-bd76-60a9ac2d738c" xsi:nil="true"/>
+    <APEditor xmlns="905c3888-6285-45d0-bd76-60a9ac2d738c">
+      <UserInfo>
+        <DisplayName/>
+        <AccountId xsi:nil="true"/>
+        <AccountType/>
+      </UserInfo>
+    </APEditor>
+    <TPInstallLocation xmlns="905c3888-6285-45d0-bd76-60a9ac2d738c" xsi:nil="true"/>
+    <OOCacheId xmlns="905c3888-6285-45d0-bd76-60a9ac2d738c" xsi:nil="true"/>
+    <IsDeleted xmlns="905c3888-6285-45d0-bd76-60a9ac2d738c">false</IsDeleted>
+    <PublishTargets xmlns="905c3888-6285-45d0-bd76-60a9ac2d738c">OfficeOnlineVNext</PublishTargets>
+    <ApprovalLog xmlns="905c3888-6285-45d0-bd76-60a9ac2d738c" xsi:nil="true"/>
+    <BugNumber xmlns="905c3888-6285-45d0-bd76-60a9ac2d738c" xsi:nil="true"/>
+    <CrawlForDependencies xmlns="905c3888-6285-45d0-bd76-60a9ac2d738c">false</CrawlForDependencies>
+    <InternalTagsTaxHTField0 xmlns="905c3888-6285-45d0-bd76-60a9ac2d738c">
+      <Terms xmlns="http://schemas.microsoft.com/office/infopath/2007/PartnerControls"/>
+    </InternalTagsTaxHTField0>
+    <LastHandOff xmlns="905c3888-6285-45d0-bd76-60a9ac2d738c" xsi:nil="true"/>
+    <Milestone xmlns="905c3888-6285-45d0-bd76-60a9ac2d738c" xsi:nil="true"/>
+    <OriginalRelease xmlns="905c3888-6285-45d0-bd76-60a9ac2d738c">15</OriginalRelease>
+    <RecommendationsModifier xmlns="905c3888-6285-45d0-bd76-60a9ac2d738c" xsi:nil="true"/>
+    <ScenarioTagsTaxHTField0 xmlns="905c3888-6285-45d0-bd76-60a9ac2d738c">
+      <Terms xmlns="http://schemas.microsoft.com/office/infopath/2007/PartnerControls"/>
+    </ScenarioTagsTaxHTField0>
+    <UANotes xmlns="905c3888-6285-45d0-bd76-60a9ac2d738c" xsi:nil="true"/>
+    <Description0 xmlns="a0b64b53-fba7-43ca-b952-90e5e74773dd" xsi:nil="true"/>
+    <Component0 xmlns="a0b64b53-fba7-43ca-b952-90e5e74773dd" xsi:nil="true"/>
+  </documentManagement>
+</p:properties>
+</file>
+
+<file path=customXml/item3.xml><?xml version="1.0" encoding="utf-8"?>
 <ct:contentTypeSchema xmlns:ct="http://schemas.microsoft.com/office/2006/metadata/contentType" xmlns:ma="http://schemas.microsoft.com/office/2006/metadata/properties/metaAttributes" ct:_="" ma:_="" ma:contentTypeName="TemplateFile" ma:contentTypeID="0x0101008D8B3457135D67479991424C624CBB4704002439B9162B2E88498A324BEFF3815221" ma:contentTypeVersion="55" ma:contentTypeDescription="Create a new document." ma:contentTypeScope="" ma:versionID="a7e4f43ee53fc86ae1dd6272262eb9fb">
   <xsd:schema xmlns:xsd="http://www.w3.org/2001/XMLSchema" xmlns:xs="http://www.w3.org/2001/XMLSchema" xmlns:p="http://schemas.microsoft.com/office/2006/metadata/properties" xmlns:ns2="905c3888-6285-45d0-bd76-60a9ac2d738c" xmlns:ns3="a0b64b53-fba7-43ca-b952-90e5e74773dd" targetNamespace="http://schemas.microsoft.com/office/2006/metadata/properties" ma:root="true" ma:fieldsID="12cd52f9b34cd953802493d919c383c5" ns2:_="" ns3:_="">
     <xsd:import namespace="905c3888-6285-45d0-bd76-60a9ac2d738c"/>
@@ -13976,144 +14401,26 @@
 </ct:contentTypeSchema>
 </file>
 
-<file path=customXml/item2.xml><?xml version="1.0" encoding="utf-8"?>
-<p:properties xmlns:p="http://schemas.microsoft.com/office/2006/metadata/properties" xmlns:xsi="http://www.w3.org/2001/XMLSchema-instance" xmlns:pc="http://schemas.microsoft.com/office/infopath/2007/PartnerControls">
-  <documentManagement>
-    <APDescription xmlns="905c3888-6285-45d0-bd76-60a9ac2d738c" xsi:nil="true"/>
-    <AssetExpire xmlns="905c3888-6285-45d0-bd76-60a9ac2d738c">2029-01-01T08:00:00+00:00</AssetExpire>
-    <CampaignTagsTaxHTField0 xmlns="905c3888-6285-45d0-bd76-60a9ac2d738c">
-      <Terms xmlns="http://schemas.microsoft.com/office/infopath/2007/PartnerControls"/>
-    </CampaignTagsTaxHTField0>
-    <IntlLangReviewDate xmlns="905c3888-6285-45d0-bd76-60a9ac2d738c" xsi:nil="true"/>
-    <TPFriendlyName xmlns="905c3888-6285-45d0-bd76-60a9ac2d738c" xsi:nil="true"/>
-    <IntlLangReview xmlns="905c3888-6285-45d0-bd76-60a9ac2d738c">false</IntlLangReview>
-    <LocLastLocAttemptVersionLookup xmlns="905c3888-6285-45d0-bd76-60a9ac2d738c">854457</LocLastLocAttemptVersionLookup>
-    <PolicheckWords xmlns="905c3888-6285-45d0-bd76-60a9ac2d738c" xsi:nil="true"/>
-    <SubmitterId xmlns="905c3888-6285-45d0-bd76-60a9ac2d738c" xsi:nil="true"/>
-    <AcquiredFrom xmlns="905c3888-6285-45d0-bd76-60a9ac2d738c">Internal MS</AcquiredFrom>
-    <EditorialStatus xmlns="905c3888-6285-45d0-bd76-60a9ac2d738c">Complete</EditorialStatus>
-    <Markets xmlns="905c3888-6285-45d0-bd76-60a9ac2d738c"/>
-    <OriginAsset xmlns="905c3888-6285-45d0-bd76-60a9ac2d738c" xsi:nil="true"/>
-    <AssetStart xmlns="905c3888-6285-45d0-bd76-60a9ac2d738c">2012-08-29T22:50:00+00:00</AssetStart>
-    <FriendlyTitle xmlns="905c3888-6285-45d0-bd76-60a9ac2d738c" xsi:nil="true"/>
-    <MarketSpecific xmlns="905c3888-6285-45d0-bd76-60a9ac2d738c">false</MarketSpecific>
-    <TPNamespace xmlns="905c3888-6285-45d0-bd76-60a9ac2d738c" xsi:nil="true"/>
-    <PublishStatusLookup xmlns="905c3888-6285-45d0-bd76-60a9ac2d738c">
-      <Value>492287</Value>
-    </PublishStatusLookup>
-    <APAuthor xmlns="905c3888-6285-45d0-bd76-60a9ac2d738c">
-      <UserInfo>
-        <DisplayName>REDMOND\kristaa</DisplayName>
-        <AccountId>136</AccountId>
-        <AccountType/>
-      </UserInfo>
-    </APAuthor>
-    <TPCommandLine xmlns="905c3888-6285-45d0-bd76-60a9ac2d738c" xsi:nil="true"/>
-    <IntlLangReviewer xmlns="905c3888-6285-45d0-bd76-60a9ac2d738c" xsi:nil="true"/>
-    <OpenTemplate xmlns="905c3888-6285-45d0-bd76-60a9ac2d738c">true</OpenTemplate>
-    <CSXSubmissionDate xmlns="905c3888-6285-45d0-bd76-60a9ac2d738c" xsi:nil="true"/>
-    <TaxCatchAll xmlns="905c3888-6285-45d0-bd76-60a9ac2d738c"/>
-    <Manager xmlns="905c3888-6285-45d0-bd76-60a9ac2d738c" xsi:nil="true"/>
-    <NumericId xmlns="905c3888-6285-45d0-bd76-60a9ac2d738c" xsi:nil="true"/>
-    <ParentAssetId xmlns="905c3888-6285-45d0-bd76-60a9ac2d738c" xsi:nil="true"/>
-    <OriginalSourceMarket xmlns="905c3888-6285-45d0-bd76-60a9ac2d738c">english</OriginalSourceMarket>
-    <ApprovalStatus xmlns="905c3888-6285-45d0-bd76-60a9ac2d738c">InProgress</ApprovalStatus>
-    <TPComponent xmlns="905c3888-6285-45d0-bd76-60a9ac2d738c" xsi:nil="true"/>
-    <EditorialTags xmlns="905c3888-6285-45d0-bd76-60a9ac2d738c" xsi:nil="true"/>
-    <TPExecutable xmlns="905c3888-6285-45d0-bd76-60a9ac2d738c" xsi:nil="true"/>
-    <TPLaunchHelpLink xmlns="905c3888-6285-45d0-bd76-60a9ac2d738c" xsi:nil="true"/>
-    <LocComments xmlns="905c3888-6285-45d0-bd76-60a9ac2d738c" xsi:nil="true"/>
-    <LocRecommendedHandoff xmlns="905c3888-6285-45d0-bd76-60a9ac2d738c" xsi:nil="true"/>
-    <SourceTitle xmlns="905c3888-6285-45d0-bd76-60a9ac2d738c" xsi:nil="true"/>
-    <CSXUpdate xmlns="905c3888-6285-45d0-bd76-60a9ac2d738c">false</CSXUpdate>
-    <IntlLocPriority xmlns="905c3888-6285-45d0-bd76-60a9ac2d738c" xsi:nil="true"/>
-    <UAProjectedTotalWords xmlns="905c3888-6285-45d0-bd76-60a9ac2d738c" xsi:nil="true"/>
-    <AssetType xmlns="905c3888-6285-45d0-bd76-60a9ac2d738c">TP</AssetType>
-    <MachineTranslated xmlns="905c3888-6285-45d0-bd76-60a9ac2d738c">false</MachineTranslated>
-    <OutputCachingOn xmlns="905c3888-6285-45d0-bd76-60a9ac2d738c">false</OutputCachingOn>
-    <TemplateStatus xmlns="905c3888-6285-45d0-bd76-60a9ac2d738c">Complete</TemplateStatus>
-    <IsSearchable xmlns="905c3888-6285-45d0-bd76-60a9ac2d738c">true</IsSearchable>
-    <ContentItem xmlns="905c3888-6285-45d0-bd76-60a9ac2d738c" xsi:nil="true"/>
-    <HandoffToMSDN xmlns="905c3888-6285-45d0-bd76-60a9ac2d738c" xsi:nil="true"/>
-    <ShowIn xmlns="905c3888-6285-45d0-bd76-60a9ac2d738c">Show everywhere</ShowIn>
-    <ThumbnailAssetId xmlns="905c3888-6285-45d0-bd76-60a9ac2d738c" xsi:nil="true"/>
-    <UALocComments xmlns="905c3888-6285-45d0-bd76-60a9ac2d738c" xsi:nil="true"/>
-    <UALocRecommendation xmlns="905c3888-6285-45d0-bd76-60a9ac2d738c">Localize</UALocRecommendation>
-    <LastModifiedDateTime xmlns="905c3888-6285-45d0-bd76-60a9ac2d738c" xsi:nil="true"/>
-    <LegacyData xmlns="905c3888-6285-45d0-bd76-60a9ac2d738c" xsi:nil="true"/>
-    <LocManualTestRequired xmlns="905c3888-6285-45d0-bd76-60a9ac2d738c">false</LocManualTestRequired>
-    <LocMarketGroupTiers2 xmlns="905c3888-6285-45d0-bd76-60a9ac2d738c" xsi:nil="true"/>
-    <ClipArtFilename xmlns="905c3888-6285-45d0-bd76-60a9ac2d738c" xsi:nil="true"/>
-    <TPApplication xmlns="905c3888-6285-45d0-bd76-60a9ac2d738c" xsi:nil="true"/>
-    <CSXHash xmlns="905c3888-6285-45d0-bd76-60a9ac2d738c" xsi:nil="true"/>
-    <DirectSourceMarket xmlns="905c3888-6285-45d0-bd76-60a9ac2d738c">english</DirectSourceMarket>
-    <PrimaryImageGen xmlns="905c3888-6285-45d0-bd76-60a9ac2d738c">true</PrimaryImageGen>
-    <PlannedPubDate xmlns="905c3888-6285-45d0-bd76-60a9ac2d738c" xsi:nil="true"/>
-    <CSXSubmissionMarket xmlns="905c3888-6285-45d0-bd76-60a9ac2d738c" xsi:nil="true"/>
-    <Downloads xmlns="905c3888-6285-45d0-bd76-60a9ac2d738c">0</Downloads>
-    <ArtSampleDocs xmlns="905c3888-6285-45d0-bd76-60a9ac2d738c" xsi:nil="true"/>
-    <TrustLevel xmlns="905c3888-6285-45d0-bd76-60a9ac2d738c">1 Microsoft Managed Content</TrustLevel>
-    <BlockPublish xmlns="905c3888-6285-45d0-bd76-60a9ac2d738c">false</BlockPublish>
-    <TPLaunchHelpLinkType xmlns="905c3888-6285-45d0-bd76-60a9ac2d738c">Template</TPLaunchHelpLinkType>
-    <LocalizationTagsTaxHTField0 xmlns="905c3888-6285-45d0-bd76-60a9ac2d738c">
-      <Terms xmlns="http://schemas.microsoft.com/office/infopath/2007/PartnerControls"/>
-    </LocalizationTagsTaxHTField0>
-    <BusinessGroup xmlns="905c3888-6285-45d0-bd76-60a9ac2d738c" xsi:nil="true"/>
-    <Providers xmlns="905c3888-6285-45d0-bd76-60a9ac2d738c" xsi:nil="true"/>
-    <TemplateTemplateType xmlns="905c3888-6285-45d0-bd76-60a9ac2d738c">PowerPoint Presentation Template</TemplateTemplateType>
-    <TimesCloned xmlns="905c3888-6285-45d0-bd76-60a9ac2d738c" xsi:nil="true"/>
-    <TPAppVersion xmlns="905c3888-6285-45d0-bd76-60a9ac2d738c" xsi:nil="true"/>
-    <VoteCount xmlns="905c3888-6285-45d0-bd76-60a9ac2d738c" xsi:nil="true"/>
-    <AverageRating xmlns="905c3888-6285-45d0-bd76-60a9ac2d738c" xsi:nil="true"/>
-    <FeatureTagsTaxHTField0 xmlns="905c3888-6285-45d0-bd76-60a9ac2d738c">
-      <Terms xmlns="http://schemas.microsoft.com/office/infopath/2007/PartnerControls"/>
-    </FeatureTagsTaxHTField0>
-    <Provider xmlns="905c3888-6285-45d0-bd76-60a9ac2d738c" xsi:nil="true"/>
-    <UACurrentWords xmlns="905c3888-6285-45d0-bd76-60a9ac2d738c" xsi:nil="true"/>
-    <AssetId xmlns="905c3888-6285-45d0-bd76-60a9ac2d738c">TP103418064</AssetId>
-    <TPClientViewer xmlns="905c3888-6285-45d0-bd76-60a9ac2d738c" xsi:nil="true"/>
-    <DSATActionTaken xmlns="905c3888-6285-45d0-bd76-60a9ac2d738c" xsi:nil="true"/>
-    <APEditor xmlns="905c3888-6285-45d0-bd76-60a9ac2d738c">
-      <UserInfo>
-        <DisplayName/>
-        <AccountId xsi:nil="true"/>
-        <AccountType/>
-      </UserInfo>
-    </APEditor>
-    <TPInstallLocation xmlns="905c3888-6285-45d0-bd76-60a9ac2d738c" xsi:nil="true"/>
-    <OOCacheId xmlns="905c3888-6285-45d0-bd76-60a9ac2d738c" xsi:nil="true"/>
-    <IsDeleted xmlns="905c3888-6285-45d0-bd76-60a9ac2d738c">false</IsDeleted>
-    <PublishTargets xmlns="905c3888-6285-45d0-bd76-60a9ac2d738c">OfficeOnlineVNext</PublishTargets>
-    <ApprovalLog xmlns="905c3888-6285-45d0-bd76-60a9ac2d738c" xsi:nil="true"/>
-    <BugNumber xmlns="905c3888-6285-45d0-bd76-60a9ac2d738c" xsi:nil="true"/>
-    <CrawlForDependencies xmlns="905c3888-6285-45d0-bd76-60a9ac2d738c">false</CrawlForDependencies>
-    <InternalTagsTaxHTField0 xmlns="905c3888-6285-45d0-bd76-60a9ac2d738c">
-      <Terms xmlns="http://schemas.microsoft.com/office/infopath/2007/PartnerControls"/>
-    </InternalTagsTaxHTField0>
-    <LastHandOff xmlns="905c3888-6285-45d0-bd76-60a9ac2d738c" xsi:nil="true"/>
-    <Milestone xmlns="905c3888-6285-45d0-bd76-60a9ac2d738c" xsi:nil="true"/>
-    <OriginalRelease xmlns="905c3888-6285-45d0-bd76-60a9ac2d738c">15</OriginalRelease>
-    <RecommendationsModifier xmlns="905c3888-6285-45d0-bd76-60a9ac2d738c" xsi:nil="true"/>
-    <ScenarioTagsTaxHTField0 xmlns="905c3888-6285-45d0-bd76-60a9ac2d738c">
-      <Terms xmlns="http://schemas.microsoft.com/office/infopath/2007/PartnerControls"/>
-    </ScenarioTagsTaxHTField0>
-    <UANotes xmlns="905c3888-6285-45d0-bd76-60a9ac2d738c" xsi:nil="true"/>
-    <Description0 xmlns="a0b64b53-fba7-43ca-b952-90e5e74773dd" xsi:nil="true"/>
-    <Component0 xmlns="a0b64b53-fba7-43ca-b952-90e5e74773dd" xsi:nil="true"/>
-  </documentManagement>
-</p:properties>
+<file path=customXml/itemProps1.xml><?xml version="1.0" encoding="utf-8"?>
+<ds:datastoreItem xmlns:ds="http://schemas.openxmlformats.org/officeDocument/2006/customXml" ds:itemID="{A6836B0F-2395-43B9-BBEF-90A78CA70F2E}">
+  <ds:schemaRefs>
+    <ds:schemaRef ds:uri="http://schemas.microsoft.com/sharepoint/v3/contenttype/forms"/>
+  </ds:schemaRefs>
+</ds:datastoreItem>
 </file>
 
-<file path=customXml/item3.xml><?xml version="1.0" encoding="utf-8"?>
-<?mso-contentType ?>
-<FormTemplates xmlns="http://schemas.microsoft.com/sharepoint/v3/contenttype/forms">
-  <Display>DocumentLibraryForm</Display>
-  <Edit>AssetEditForm</Edit>
-  <New>DocumentLibraryForm</New>
-</FormTemplates>
+<file path=customXml/itemProps2.xml><?xml version="1.0" encoding="utf-8"?>
+<ds:datastoreItem xmlns:ds="http://schemas.openxmlformats.org/officeDocument/2006/customXml" ds:itemID="{6AD91B05-EE62-488D-A77F-C7BE0D6F624B}">
+  <ds:schemaRefs>
+    <ds:schemaRef ds:uri="http://schemas.microsoft.com/office/2006/metadata/properties"/>
+    <ds:schemaRef ds:uri="http://schemas.microsoft.com/office/infopath/2007/PartnerControls"/>
+    <ds:schemaRef ds:uri="905c3888-6285-45d0-bd76-60a9ac2d738c"/>
+    <ds:schemaRef ds:uri="a0b64b53-fba7-43ca-b952-90e5e74773dd"/>
+  </ds:schemaRefs>
+</ds:datastoreItem>
 </file>
 
-<file path=customXml/itemProps1.xml><?xml version="1.0" encoding="utf-8"?>
+<file path=customXml/itemProps3.xml><?xml version="1.0" encoding="utf-8"?>
 <ds:datastoreItem xmlns:ds="http://schemas.openxmlformats.org/officeDocument/2006/customXml" ds:itemID="{334E08B1-BE9D-4272-AF55-F1E8F8FDDE0B}">
   <ds:schemaRefs>
     <ds:schemaRef ds:uri="http://schemas.microsoft.com/office/2006/metadata/contentType"/>
@@ -14130,23 +14437,4 @@
     <ds:schemaRef ds:uri="http://schemas.microsoft.com/internal/obd"/>
   </ds:schemaRefs>
 </ds:datastoreItem>
-</file>
-
-<file path=customXml/itemProps2.xml><?xml version="1.0" encoding="utf-8"?>
-<ds:datastoreItem xmlns:ds="http://schemas.openxmlformats.org/officeDocument/2006/customXml" ds:itemID="{6AD91B05-EE62-488D-A77F-C7BE0D6F624B}">
-  <ds:schemaRefs>
-    <ds:schemaRef ds:uri="http://schemas.microsoft.com/office/2006/metadata/properties"/>
-    <ds:schemaRef ds:uri="http://schemas.microsoft.com/office/infopath/2007/PartnerControls"/>
-    <ds:schemaRef ds:uri="905c3888-6285-45d0-bd76-60a9ac2d738c"/>
-    <ds:schemaRef ds:uri="a0b64b53-fba7-43ca-b952-90e5e74773dd"/>
-  </ds:schemaRefs>
-</ds:datastoreItem>
-</file>
-
-<file path=customXml/itemProps3.xml><?xml version="1.0" encoding="utf-8"?>
-<ds:datastoreItem xmlns:ds="http://schemas.openxmlformats.org/officeDocument/2006/customXml" ds:itemID="{A6836B0F-2395-43B9-BBEF-90A78CA70F2E}">
-  <ds:schemaRefs>
-    <ds:schemaRef ds:uri="http://schemas.microsoft.com/sharepoint/v3/contenttype/forms"/>
-  </ds:schemaRefs>
-</ds:datastoreItem>
 </file>